--- a/Output/Presentation1.pptx
+++ b/Output/Presentation1.pptx
@@ -5,11 +5,12 @@
     <p:sldMasterId id="2147483648" r:id="rId1"/>
   </p:sldMasterIdLst>
   <p:notesMasterIdLst>
-    <p:notesMasterId r:id="rId4"/>
+    <p:notesMasterId r:id="rId5"/>
   </p:notesMasterIdLst>
   <p:sldIdLst>
     <p:sldId id="256" r:id="rId2"/>
     <p:sldId id="257" r:id="rId3"/>
+    <p:sldId id="258" r:id="rId4"/>
   </p:sldIdLst>
   <p:sldSz cx="12192000" cy="6858000"/>
   <p:notesSz cx="6858000" cy="9144000"/>
@@ -108,6 +109,11 @@
       </a:defRPr>
     </a:lvl9pPr>
   </p:defaultTextStyle>
+  <p:extLst>
+    <p:ext uri="{EFAFB233-063F-42B5-8137-9DF3F51BA10A}">
+      <p15:sldGuideLst xmlns:p15="http://schemas.microsoft.com/office/powerpoint/2012/main"/>
+    </p:ext>
+  </p:extLst>
 </p:presentation>
 </file>
 
@@ -193,7 +199,7 @@
           <a:p>
             <a:fld id="{5C6BE627-4CFE-4F8B-9EA4-99F7847C040D}" type="datetimeFigureOut">
               <a:rPr lang="en-US" smtClean="0"/>
-              <a:t>10/29/2024</a:t>
+              <a:t>11/1/2024</a:t>
             </a:fld>
             <a:endParaRPr lang="en-US"/>
           </a:p>
@@ -652,6 +658,114 @@
 </p:notes>
 </file>
 
+<file path=ppt/notesSlides/notesSlide3.xml><?xml version="1.0" encoding="utf-8"?>
+<p:notes xmlns:a="http://schemas.openxmlformats.org/drawingml/2006/main" xmlns:r="http://schemas.openxmlformats.org/officeDocument/2006/relationships" xmlns:p="http://schemas.openxmlformats.org/presentationml/2006/main">
+  <p:cSld>
+    <p:spTree>
+      <p:nvGrpSpPr>
+        <p:cNvPr id="1" name="">
+          <a:extLst>
+            <a:ext uri="{FF2B5EF4-FFF2-40B4-BE49-F238E27FC236}">
+              <a16:creationId xmlns:a16="http://schemas.microsoft.com/office/drawing/2014/main" id="{FA8A3F9A-EE09-80B9-EC8B-E59F369B8539}"/>
+            </a:ext>
+          </a:extLst>
+        </p:cNvPr>
+        <p:cNvGrpSpPr/>
+        <p:nvPr/>
+      </p:nvGrpSpPr>
+      <p:grpSpPr>
+        <a:xfrm>
+          <a:off x="0" y="0"/>
+          <a:ext cx="0" cy="0"/>
+          <a:chOff x="0" y="0"/>
+          <a:chExt cx="0" cy="0"/>
+        </a:xfrm>
+      </p:grpSpPr>
+      <p:sp>
+        <p:nvSpPr>
+          <p:cNvPr id="2" name="Slide Image Placeholder 1">
+            <a:extLst>
+              <a:ext uri="{FF2B5EF4-FFF2-40B4-BE49-F238E27FC236}">
+                <a16:creationId xmlns:a16="http://schemas.microsoft.com/office/drawing/2014/main" id="{2255B959-71A3-6B2A-65EA-813BE43FF6F7}"/>
+              </a:ext>
+            </a:extLst>
+          </p:cNvPr>
+          <p:cNvSpPr>
+            <a:spLocks noGrp="1" noRot="1" noChangeAspect="1"/>
+          </p:cNvSpPr>
+          <p:nvPr>
+            <p:ph type="sldImg"/>
+          </p:nvPr>
+        </p:nvSpPr>
+        <p:spPr/>
+      </p:sp>
+      <p:sp>
+        <p:nvSpPr>
+          <p:cNvPr id="3" name="Notes Placeholder 2">
+            <a:extLst>
+              <a:ext uri="{FF2B5EF4-FFF2-40B4-BE49-F238E27FC236}">
+                <a16:creationId xmlns:a16="http://schemas.microsoft.com/office/drawing/2014/main" id="{8BFC8149-4755-C968-2F9C-D9E3628C3A15}"/>
+              </a:ext>
+            </a:extLst>
+          </p:cNvPr>
+          <p:cNvSpPr>
+            <a:spLocks noGrp="1"/>
+          </p:cNvSpPr>
+          <p:nvPr>
+            <p:ph type="body" idx="1"/>
+          </p:nvPr>
+        </p:nvSpPr>
+        <p:spPr/>
+        <p:txBody>
+          <a:bodyPr/>
+          <a:lstStyle/>
+          <a:p>
+            <a:endParaRPr lang="en-US" dirty="0"/>
+          </a:p>
+        </p:txBody>
+      </p:sp>
+      <p:sp>
+        <p:nvSpPr>
+          <p:cNvPr id="4" name="Slide Number Placeholder 3">
+            <a:extLst>
+              <a:ext uri="{FF2B5EF4-FFF2-40B4-BE49-F238E27FC236}">
+                <a16:creationId xmlns:a16="http://schemas.microsoft.com/office/drawing/2014/main" id="{FA09AD95-5013-21C1-56F3-9A01A0C419F0}"/>
+              </a:ext>
+            </a:extLst>
+          </p:cNvPr>
+          <p:cNvSpPr>
+            <a:spLocks noGrp="1"/>
+          </p:cNvSpPr>
+          <p:nvPr>
+            <p:ph type="sldNum" sz="quarter" idx="5"/>
+          </p:nvPr>
+        </p:nvSpPr>
+        <p:spPr/>
+        <p:txBody>
+          <a:bodyPr/>
+          <a:lstStyle/>
+          <a:p>
+            <a:fld id="{CB97B497-5E33-4AD3-97D3-3CD6F8EC9DA5}" type="slidenum">
+              <a:rPr lang="en-US" smtClean="0"/>
+              <a:t>3</a:t>
+            </a:fld>
+            <a:endParaRPr lang="en-US"/>
+          </a:p>
+        </p:txBody>
+      </p:sp>
+    </p:spTree>
+    <p:extLst>
+      <p:ext uri="{BB962C8B-B14F-4D97-AF65-F5344CB8AC3E}">
+        <p14:creationId xmlns:p14="http://schemas.microsoft.com/office/powerpoint/2010/main" val="3778814312"/>
+      </p:ext>
+    </p:extLst>
+  </p:cSld>
+  <p:clrMapOvr>
+    <a:masterClrMapping/>
+  </p:clrMapOvr>
+</p:notes>
+</file>
+
 <file path=ppt/slideLayouts/slideLayout1.xml><?xml version="1.0" encoding="utf-8"?>
 <p:sldLayout xmlns:a="http://schemas.openxmlformats.org/drawingml/2006/main" xmlns:r="http://schemas.openxmlformats.org/officeDocument/2006/relationships" xmlns:p="http://schemas.openxmlformats.org/presentationml/2006/main" type="title" preserve="1">
   <p:cSld name="Title Slide">
@@ -799,7 +913,7 @@
           <a:p>
             <a:fld id="{DBBA3256-325C-4D87-AD11-5F217BF35989}" type="datetimeFigureOut">
               <a:rPr lang="en-US" smtClean="0"/>
-              <a:t>10/29/2024</a:t>
+              <a:t>11/1/2024</a:t>
             </a:fld>
             <a:endParaRPr lang="en-US"/>
           </a:p>
@@ -997,7 +1111,7 @@
           <a:p>
             <a:fld id="{DBBA3256-325C-4D87-AD11-5F217BF35989}" type="datetimeFigureOut">
               <a:rPr lang="en-US" smtClean="0"/>
-              <a:t>10/29/2024</a:t>
+              <a:t>11/1/2024</a:t>
             </a:fld>
             <a:endParaRPr lang="en-US"/>
           </a:p>
@@ -1205,7 +1319,7 @@
           <a:p>
             <a:fld id="{DBBA3256-325C-4D87-AD11-5F217BF35989}" type="datetimeFigureOut">
               <a:rPr lang="en-US" smtClean="0"/>
-              <a:t>10/29/2024</a:t>
+              <a:t>11/1/2024</a:t>
             </a:fld>
             <a:endParaRPr lang="en-US"/>
           </a:p>
@@ -1403,7 +1517,7 @@
           <a:p>
             <a:fld id="{DBBA3256-325C-4D87-AD11-5F217BF35989}" type="datetimeFigureOut">
               <a:rPr lang="en-US" smtClean="0"/>
-              <a:t>10/29/2024</a:t>
+              <a:t>11/1/2024</a:t>
             </a:fld>
             <a:endParaRPr lang="en-US"/>
           </a:p>
@@ -1678,7 +1792,7 @@
           <a:p>
             <a:fld id="{DBBA3256-325C-4D87-AD11-5F217BF35989}" type="datetimeFigureOut">
               <a:rPr lang="en-US" smtClean="0"/>
-              <a:t>10/29/2024</a:t>
+              <a:t>11/1/2024</a:t>
             </a:fld>
             <a:endParaRPr lang="en-US"/>
           </a:p>
@@ -1943,7 +2057,7 @@
           <a:p>
             <a:fld id="{DBBA3256-325C-4D87-AD11-5F217BF35989}" type="datetimeFigureOut">
               <a:rPr lang="en-US" smtClean="0"/>
-              <a:t>10/29/2024</a:t>
+              <a:t>11/1/2024</a:t>
             </a:fld>
             <a:endParaRPr lang="en-US"/>
           </a:p>
@@ -2355,7 +2469,7 @@
           <a:p>
             <a:fld id="{DBBA3256-325C-4D87-AD11-5F217BF35989}" type="datetimeFigureOut">
               <a:rPr lang="en-US" smtClean="0"/>
-              <a:t>10/29/2024</a:t>
+              <a:t>11/1/2024</a:t>
             </a:fld>
             <a:endParaRPr lang="en-US"/>
           </a:p>
@@ -2496,7 +2610,7 @@
           <a:p>
             <a:fld id="{DBBA3256-325C-4D87-AD11-5F217BF35989}" type="datetimeFigureOut">
               <a:rPr lang="en-US" smtClean="0"/>
-              <a:t>10/29/2024</a:t>
+              <a:t>11/1/2024</a:t>
             </a:fld>
             <a:endParaRPr lang="en-US"/>
           </a:p>
@@ -2609,7 +2723,7 @@
           <a:p>
             <a:fld id="{DBBA3256-325C-4D87-AD11-5F217BF35989}" type="datetimeFigureOut">
               <a:rPr lang="en-US" smtClean="0"/>
-              <a:t>10/29/2024</a:t>
+              <a:t>11/1/2024</a:t>
             </a:fld>
             <a:endParaRPr lang="en-US"/>
           </a:p>
@@ -2920,7 +3034,7 @@
           <a:p>
             <a:fld id="{DBBA3256-325C-4D87-AD11-5F217BF35989}" type="datetimeFigureOut">
               <a:rPr lang="en-US" smtClean="0"/>
-              <a:t>10/29/2024</a:t>
+              <a:t>11/1/2024</a:t>
             </a:fld>
             <a:endParaRPr lang="en-US"/>
           </a:p>
@@ -3208,7 +3322,7 @@
           <a:p>
             <a:fld id="{DBBA3256-325C-4D87-AD11-5F217BF35989}" type="datetimeFigureOut">
               <a:rPr lang="en-US" smtClean="0"/>
-              <a:t>10/29/2024</a:t>
+              <a:t>11/1/2024</a:t>
             </a:fld>
             <a:endParaRPr lang="en-US"/>
           </a:p>
@@ -3449,7 +3563,7 @@
           <a:p>
             <a:fld id="{DBBA3256-325C-4D87-AD11-5F217BF35989}" type="datetimeFigureOut">
               <a:rPr lang="en-US" smtClean="0"/>
-              <a:t>10/29/2024</a:t>
+              <a:t>11/1/2024</a:t>
             </a:fld>
             <a:endParaRPr lang="en-US"/>
           </a:p>
@@ -4186,6 +4300,182 @@
     <p:extLst>
       <p:ext uri="{BB962C8B-B14F-4D97-AF65-F5344CB8AC3E}">
         <p14:creationId xmlns:p14="http://schemas.microsoft.com/office/powerpoint/2010/main" val="2545885324"/>
+      </p:ext>
+    </p:extLst>
+  </p:cSld>
+  <p:clrMapOvr>
+    <a:masterClrMapping/>
+  </p:clrMapOvr>
+</p:sld>
+</file>
+
+<file path=ppt/slides/slide3.xml><?xml version="1.0" encoding="utf-8"?>
+<p:sld xmlns:a="http://schemas.openxmlformats.org/drawingml/2006/main" xmlns:r="http://schemas.openxmlformats.org/officeDocument/2006/relationships" xmlns:p="http://schemas.openxmlformats.org/presentationml/2006/main">
+  <p:cSld>
+    <p:spTree>
+      <p:nvGrpSpPr>
+        <p:cNvPr id="1" name="">
+          <a:extLst>
+            <a:ext uri="{FF2B5EF4-FFF2-40B4-BE49-F238E27FC236}">
+              <a16:creationId xmlns:a16="http://schemas.microsoft.com/office/drawing/2014/main" id="{0331E024-A600-B213-4488-941DAAC6F99F}"/>
+            </a:ext>
+          </a:extLst>
+        </p:cNvPr>
+        <p:cNvGrpSpPr/>
+        <p:nvPr/>
+      </p:nvGrpSpPr>
+      <p:grpSpPr>
+        <a:xfrm>
+          <a:off x="0" y="0"/>
+          <a:ext cx="0" cy="0"/>
+          <a:chOff x="0" y="0"/>
+          <a:chExt cx="0" cy="0"/>
+        </a:xfrm>
+      </p:grpSpPr>
+      <p:pic>
+        <p:nvPicPr>
+          <p:cNvPr id="9" name="Picture 8">
+            <a:extLst>
+              <a:ext uri="{FF2B5EF4-FFF2-40B4-BE49-F238E27FC236}">
+                <a16:creationId xmlns:a16="http://schemas.microsoft.com/office/drawing/2014/main" id="{60DB1B93-EEFA-9AB3-1556-E1A0BC171C26}"/>
+              </a:ext>
+            </a:extLst>
+          </p:cNvPr>
+          <p:cNvPicPr>
+            <a:picLocks noChangeAspect="1"/>
+          </p:cNvPicPr>
+          <p:nvPr/>
+        </p:nvPicPr>
+        <p:blipFill>
+          <a:blip r:embed="rId3">
+            <a:extLst>
+              <a:ext uri="{28A0092B-C50C-407E-A947-70E740481C1C}">
+                <a14:useLocalDpi xmlns:a14="http://schemas.microsoft.com/office/drawing/2010/main" val="0"/>
+              </a:ext>
+            </a:extLst>
+          </a:blip>
+          <a:srcRect l="22416" r="22416"/>
+          <a:stretch/>
+        </p:blipFill>
+        <p:spPr>
+          <a:xfrm>
+            <a:off x="34182" y="212887"/>
+            <a:ext cx="5637808" cy="5109610"/>
+          </a:xfrm>
+          <a:prstGeom prst="rect">
+            <a:avLst/>
+          </a:prstGeom>
+        </p:spPr>
+      </p:pic>
+      <p:pic>
+        <p:nvPicPr>
+          <p:cNvPr id="11" name="Picture 10">
+            <a:extLst>
+              <a:ext uri="{FF2B5EF4-FFF2-40B4-BE49-F238E27FC236}">
+                <a16:creationId xmlns:a16="http://schemas.microsoft.com/office/drawing/2014/main" id="{12195580-7228-DD10-D1DA-C6D42399B3D9}"/>
+              </a:ext>
+            </a:extLst>
+          </p:cNvPr>
+          <p:cNvPicPr>
+            <a:picLocks noChangeAspect="1"/>
+          </p:cNvPicPr>
+          <p:nvPr/>
+        </p:nvPicPr>
+        <p:blipFill>
+          <a:blip r:embed="rId4">
+            <a:extLst>
+              <a:ext uri="{28A0092B-C50C-407E-A947-70E740481C1C}">
+                <a14:useLocalDpi xmlns:a14="http://schemas.microsoft.com/office/drawing/2010/main" val="0"/>
+              </a:ext>
+            </a:extLst>
+          </a:blip>
+          <a:srcRect l="20876" r="20876"/>
+          <a:stretch/>
+        </p:blipFill>
+        <p:spPr>
+          <a:xfrm>
+            <a:off x="5953387" y="212887"/>
+            <a:ext cx="5952570" cy="5109610"/>
+          </a:xfrm>
+          <a:prstGeom prst="rect">
+            <a:avLst/>
+          </a:prstGeom>
+        </p:spPr>
+      </p:pic>
+      <p:sp>
+        <p:nvSpPr>
+          <p:cNvPr id="12" name="TextBox 11">
+            <a:extLst>
+              <a:ext uri="{FF2B5EF4-FFF2-40B4-BE49-F238E27FC236}">
+                <a16:creationId xmlns:a16="http://schemas.microsoft.com/office/drawing/2014/main" id="{CB0137F1-4484-4F86-9AB1-EB8EFAE1E635}"/>
+              </a:ext>
+            </a:extLst>
+          </p:cNvPr>
+          <p:cNvSpPr txBox="1"/>
+          <p:nvPr/>
+        </p:nvSpPr>
+        <p:spPr>
+          <a:xfrm>
+            <a:off x="82301" y="897623"/>
+            <a:ext cx="407484" cy="523220"/>
+          </a:xfrm>
+          <a:prstGeom prst="rect">
+            <a:avLst/>
+          </a:prstGeom>
+          <a:noFill/>
+        </p:spPr>
+        <p:txBody>
+          <a:bodyPr wrap="none" rtlCol="0">
+            <a:spAutoFit/>
+          </a:bodyPr>
+          <a:lstStyle/>
+          <a:p>
+            <a:r>
+              <a:rPr lang="en-US" sz="2800" b="1" dirty="0"/>
+              <a:t>A</a:t>
+            </a:r>
+          </a:p>
+        </p:txBody>
+      </p:sp>
+      <p:sp>
+        <p:nvSpPr>
+          <p:cNvPr id="13" name="TextBox 12">
+            <a:extLst>
+              <a:ext uri="{FF2B5EF4-FFF2-40B4-BE49-F238E27FC236}">
+                <a16:creationId xmlns:a16="http://schemas.microsoft.com/office/drawing/2014/main" id="{A739158D-94D7-09CF-E62E-55C20F443D04}"/>
+              </a:ext>
+            </a:extLst>
+          </p:cNvPr>
+          <p:cNvSpPr txBox="1"/>
+          <p:nvPr/>
+        </p:nvSpPr>
+        <p:spPr>
+          <a:xfrm>
+            <a:off x="6063453" y="897623"/>
+            <a:ext cx="407484" cy="523220"/>
+          </a:xfrm>
+          <a:prstGeom prst="rect">
+            <a:avLst/>
+          </a:prstGeom>
+          <a:noFill/>
+        </p:spPr>
+        <p:txBody>
+          <a:bodyPr wrap="none" rtlCol="0">
+            <a:spAutoFit/>
+          </a:bodyPr>
+          <a:lstStyle/>
+          <a:p>
+            <a:r>
+              <a:rPr lang="en-US" sz="2800" b="1" dirty="0"/>
+              <a:t>B</a:t>
+            </a:r>
+          </a:p>
+        </p:txBody>
+      </p:sp>
+    </p:spTree>
+    <p:extLst>
+      <p:ext uri="{BB962C8B-B14F-4D97-AF65-F5344CB8AC3E}">
+        <p14:creationId xmlns:p14="http://schemas.microsoft.com/office/powerpoint/2010/main" val="3756165906"/>
       </p:ext>
     </p:extLst>
   </p:cSld>
